--- a/reports/port-powerpoint-figures.pptx
+++ b/reports/port-powerpoint-figures.pptx
@@ -4123,8 +4123,8 @@
 </file>
 
 <file path=customXml/item1.xml><?xml version="1.0" encoding="utf-8"?>
-<ct:contentTypeSchema xmlns:ct="http://schemas.microsoft.com/office/2006/metadata/contentType" xmlns:ma="http://schemas.microsoft.com/office/2006/metadata/properties/metaAttributes" ct:_="" ma:_="" ma:contentTypeName="Document" ma:contentTypeID="0x0101009385A2C2E2570247B3E2B1931D01099C" ma:contentTypeVersion="13" ma:contentTypeDescription="Create a new document." ma:contentTypeScope="" ma:versionID="632af928e1d945a69ab9ff30f98d8263">
-  <xsd:schema xmlns:xsd="http://www.w3.org/2001/XMLSchema" xmlns:xs="http://www.w3.org/2001/XMLSchema" xmlns:p="http://schemas.microsoft.com/office/2006/metadata/properties" xmlns:ns2="450abef6-a09e-4149-90b8-45ad17cfbd82" xmlns:ns3="6c96bd49-5bab-43a1-a4cd-729e5517c258" xmlns:ns4="4aaf35b1-80a8-48e7-9d03-c612add1997b" targetNamespace="http://schemas.microsoft.com/office/2006/metadata/properties" ma:root="true" ma:fieldsID="0d361db9cee77493a24edb96fcc17d0c" ns2:_="" ns3:_="" ns4:_="">
+<ct:contentTypeSchema xmlns:ct="http://schemas.microsoft.com/office/2006/metadata/contentType" xmlns:ma="http://schemas.microsoft.com/office/2006/metadata/properties/metaAttributes" ct:_="" ma:_="" ma:contentTypeName="Document" ma:contentTypeID="0x0101009385A2C2E2570247B3E2B1931D01099C" ma:contentTypeVersion="17" ma:contentTypeDescription="Create a new document." ma:contentTypeScope="" ma:versionID="fc4827d8e0cf2c60e5fac72a88922fd1">
+  <xsd:schema xmlns:xsd="http://www.w3.org/2001/XMLSchema" xmlns:xs="http://www.w3.org/2001/XMLSchema" xmlns:p="http://schemas.microsoft.com/office/2006/metadata/properties" xmlns:ns2="450abef6-a09e-4149-90b8-45ad17cfbd82" xmlns:ns3="6c96bd49-5bab-43a1-a4cd-729e5517c258" xmlns:ns4="4aaf35b1-80a8-48e7-9d03-c612add1997b" targetNamespace="http://schemas.microsoft.com/office/2006/metadata/properties" ma:root="true" ma:fieldsID="025272646f87634090c331d881a7c5e2" ns2:_="" ns3:_="" ns4:_="">
     <xsd:import namespace="450abef6-a09e-4149-90b8-45ad17cfbd82"/>
     <xsd:import namespace="6c96bd49-5bab-43a1-a4cd-729e5517c258"/>
     <xsd:import namespace="4aaf35b1-80a8-48e7-9d03-c612add1997b"/>
@@ -4146,6 +4146,10 @@
                 <xsd:element ref="ns3:SharedWithDetails" minOccurs="0"/>
                 <xsd:element ref="ns2:lcf76f155ced4ddcb4097134ff3c332f" minOccurs="0"/>
                 <xsd:element ref="ns4:TaxCatchAll" minOccurs="0"/>
+                <xsd:element ref="ns2:MediaServiceObjectDetectorVersions" minOccurs="0"/>
+                <xsd:element ref="ns2:MediaLengthInSeconds" minOccurs="0"/>
+                <xsd:element ref="ns2:MediaServiceDateTaken" minOccurs="0"/>
+                <xsd:element ref="ns2:MediaServiceSearchProperties" minOccurs="0"/>
               </xsd:all>
             </xsd:complexType>
           </xsd:element>
@@ -4206,6 +4210,26 @@
           <xsd:element ref="pc:Terms" minOccurs="0" maxOccurs="1"/>
         </xsd:sequence>
       </xsd:complexType>
+    </xsd:element>
+    <xsd:element name="MediaServiceObjectDetectorVersions" ma:index="21" nillable="true" ma:displayName="MediaServiceObjectDetectorVersions" ma:hidden="true" ma:indexed="true" ma:internalName="MediaServiceObjectDetectorVersions" ma:readOnly="true">
+      <xsd:simpleType>
+        <xsd:restriction base="dms:Text"/>
+      </xsd:simpleType>
+    </xsd:element>
+    <xsd:element name="MediaLengthInSeconds" ma:index="22" nillable="true" ma:displayName="MediaLengthInSeconds" ma:hidden="true" ma:internalName="MediaLengthInSeconds" ma:readOnly="true">
+      <xsd:simpleType>
+        <xsd:restriction base="dms:Unknown"/>
+      </xsd:simpleType>
+    </xsd:element>
+    <xsd:element name="MediaServiceDateTaken" ma:index="23" nillable="true" ma:displayName="MediaServiceDateTaken" ma:hidden="true" ma:indexed="true" ma:internalName="MediaServiceDateTaken" ma:readOnly="true">
+      <xsd:simpleType>
+        <xsd:restriction base="dms:Text"/>
+      </xsd:simpleType>
+    </xsd:element>
+    <xsd:element name="MediaServiceSearchProperties" ma:index="24" nillable="true" ma:displayName="MediaServiceSearchProperties" ma:hidden="true" ma:internalName="MediaServiceSearchProperties" ma:readOnly="true">
+      <xsd:simpleType>
+        <xsd:restriction base="dms:Note"/>
+      </xsd:simpleType>
     </xsd:element>
   </xsd:schema>
   <xsd:schema xmlns:xsd="http://www.w3.org/2001/XMLSchema" xmlns:xs="http://www.w3.org/2001/XMLSchema" xmlns:dms="http://schemas.microsoft.com/office/2006/documentManagement/types" xmlns:pc="http://schemas.microsoft.com/office/infopath/2007/PartnerControls" targetNamespace="6c96bd49-5bab-43a1-a4cd-729e5517c258" elementFormDefault="qualified">
@@ -4373,7 +4397,7 @@
 </file>
 
 <file path=customXml/itemProps1.xml><?xml version="1.0" encoding="utf-8"?>
-<ds:datastoreItem xmlns:ds="http://schemas.openxmlformats.org/officeDocument/2006/customXml" ds:itemID="{18827C85-32B8-43CA-85FA-CE4686962ED2}"/>
+<ds:datastoreItem xmlns:ds="http://schemas.openxmlformats.org/officeDocument/2006/customXml" ds:itemID="{78876551-D0FC-4A69-88FA-D1E6025A62B1}"/>
 </file>
 
 <file path=customXml/itemProps2.xml><?xml version="1.0" encoding="utf-8"?>
